--- a/Presentation/Compte-rendu 17-11-2017.pptx
+++ b/Presentation/Compte-rendu 17-11-2017.pptx
@@ -204,7 +204,7 @@
           <a:p>
             <a:fld id="{B9399990-2520-4FC7-ACBB-75073F2B1803}" type="datetimeFigureOut">
               <a:rPr lang="fr-FR" smtClean="0"/>
-              <a:t>17/11/2017</a:t>
+              <a:t>20/02/2018</a:t>
             </a:fld>
             <a:endParaRPr lang="fr-FR"/>
           </a:p>
@@ -4808,13 +4808,8 @@
             </a:pPr>
             <a:r>
               <a:rPr lang="fr-FR" sz="2800" dirty="0" smtClean="0"/>
-              <a:t>Condition </a:t>
-            </a:r>
-            <a:r>
-              <a:rPr lang="fr-FR" sz="2800" dirty="0" smtClean="0"/>
-              <a:t>SAND [4]</a:t>
-            </a:r>
-            <a:endParaRPr lang="fr-FR" sz="2800" dirty="0" smtClean="0"/>
+              <a:t>Condition SAND [4]</a:t>
+            </a:r>
           </a:p>
           <a:p>
             <a:pPr marL="285750" indent="-285750">
@@ -5132,13 +5127,8 @@
             </a:r>
             <a:r>
               <a:rPr lang="fr-FR" sz="2000" dirty="0" smtClean="0"/>
-              <a:t> (SNT</a:t>
-            </a:r>
-            <a:r>
-              <a:rPr lang="fr-FR" sz="2000" dirty="0" smtClean="0"/>
-              <a:t>) [5]</a:t>
-            </a:r>
-            <a:endParaRPr lang="fr-FR" sz="2000" dirty="0" smtClean="0"/>
+              <a:t> (SNT) [5]</a:t>
+            </a:r>
           </a:p>
           <a:p>
             <a:pPr marL="285750" indent="-285750">
@@ -5799,11 +5789,7 @@
             </a:r>
             <a:r>
               <a:rPr lang="fr-FR" i="1" dirty="0" smtClean="0"/>
-              <a:t>AVOIDIT </a:t>
-            </a:r>
-            <a:r>
-              <a:rPr lang="fr-FR" i="1" dirty="0" smtClean="0"/>
-              <a:t>: A Cyber Attack </a:t>
+              <a:t>AVOIDIT : A Cyber Attack </a:t>
             </a:r>
             <a:r>
               <a:rPr lang="fr-FR" i="1" dirty="0" err="1" smtClean="0"/>
@@ -5933,11 +5919,7 @@
             </a:r>
             <a:r>
               <a:rPr lang="fr-FR" i="1" dirty="0" smtClean="0"/>
-              <a:t> </a:t>
-            </a:r>
-            <a:r>
-              <a:rPr lang="fr-FR" i="1" dirty="0" smtClean="0"/>
-              <a:t>Attack </a:t>
+              <a:t> Attack </a:t>
             </a:r>
             <a:r>
               <a:rPr lang="fr-FR" i="1" dirty="0" err="1" smtClean="0"/>
@@ -6107,11 +6089,7 @@
             </a:r>
             <a:r>
               <a:rPr lang="fr-FR" i="1" dirty="0" smtClean="0"/>
-              <a:t>A </a:t>
-            </a:r>
-            <a:r>
-              <a:rPr lang="fr-FR" i="1" dirty="0" smtClean="0"/>
-              <a:t>Structural Framework for </a:t>
+              <a:t>A Structural Framework for </a:t>
             </a:r>
             <a:r>
               <a:rPr lang="fr-FR" i="1" dirty="0" err="1" smtClean="0"/>
@@ -7079,11 +7057,7 @@
             <a:pPr algn="ctr"/>
             <a:r>
               <a:rPr lang="fr-FR" dirty="0" smtClean="0"/>
-              <a:t>Taxonomie : </a:t>
-            </a:r>
-            <a:r>
-              <a:rPr lang="fr-FR" dirty="0" smtClean="0"/>
-              <a:t>AVOIDIT [1]</a:t>
+              <a:t>Taxonomie : AVOIDIT [1]</a:t>
             </a:r>
             <a:endParaRPr lang="fr-FR" dirty="0"/>
           </a:p>
@@ -7611,7 +7585,6 @@
               <a:rPr lang="fr-FR" sz="2400" dirty="0"/>
               <a:t>Impact</a:t>
             </a:r>
-            <a:endParaRPr lang="fr-FR" sz="2400" dirty="0"/>
           </a:p>
         </p:txBody>
       </p:sp>
@@ -8387,13 +8360,8 @@
             </a:pPr>
             <a:r>
               <a:rPr lang="fr-FR" sz="2400" dirty="0" smtClean="0"/>
-              <a:t>Modèle </a:t>
-            </a:r>
-            <a:r>
-              <a:rPr lang="fr-FR" sz="2400" dirty="0" smtClean="0"/>
-              <a:t>d’attaque [2]</a:t>
-            </a:r>
-            <a:endParaRPr lang="fr-FR" sz="2400" dirty="0" smtClean="0"/>
+              <a:t>Modèle d’attaque [2]</a:t>
+            </a:r>
           </a:p>
           <a:p>
             <a:pPr marL="285750" indent="-285750">
@@ -9024,8 +8992,8 @@
         </p:nvSpPr>
         <p:spPr>
           <a:xfrm>
-            <a:off x="3832425" y="1611379"/>
-            <a:ext cx="1803186" cy="646331"/>
+            <a:off x="3832425" y="1611378"/>
+            <a:ext cx="1706030" cy="584775"/>
           </a:xfrm>
           <a:prstGeom prst="rect">
             <a:avLst/>
@@ -9040,10 +9008,10 @@
           <a:p>
             <a:pPr algn="ctr"/>
             <a:r>
-              <a:rPr lang="fr-FR" dirty="0" smtClean="0"/>
+              <a:rPr lang="fr-FR" sz="1600" dirty="0" smtClean="0"/>
               <a:t>Intercepter les communications</a:t>
             </a:r>
-            <a:endParaRPr lang="fr-FR" dirty="0"/>
+            <a:endParaRPr lang="fr-FR" sz="1600" dirty="0"/>
           </a:p>
         </p:txBody>
       </p:sp>
@@ -9607,7 +9575,6 @@
               <a:rPr lang="fr-FR" sz="2000" dirty="0" smtClean="0"/>
               <a:t> [3]</a:t>
             </a:r>
-            <a:endParaRPr lang="fr-FR" sz="2000" dirty="0" smtClean="0"/>
           </a:p>
           <a:p>
             <a:pPr marL="285750" indent="-285750">
